--- a/Mid-Term presentation/Mid-term.pptx
+++ b/Mid-Term presentation/Mid-term.pptx
@@ -5,16 +5,15 @@
     <p:sldMasterId id="2147483648" r:id="rId1"/>
   </p:sldMasterIdLst>
   <p:notesMasterIdLst>
-    <p:notesMasterId r:id="rId9"/>
+    <p:notesMasterId r:id="rId8"/>
   </p:notesMasterIdLst>
   <p:sldIdLst>
     <p:sldId id="257" r:id="rId2"/>
     <p:sldId id="258" r:id="rId3"/>
-    <p:sldId id="262" r:id="rId4"/>
-    <p:sldId id="263" r:id="rId5"/>
-    <p:sldId id="259" r:id="rId6"/>
-    <p:sldId id="260" r:id="rId7"/>
-    <p:sldId id="261" r:id="rId8"/>
+    <p:sldId id="263" r:id="rId4"/>
+    <p:sldId id="259" r:id="rId5"/>
+    <p:sldId id="260" r:id="rId6"/>
+    <p:sldId id="261" r:id="rId7"/>
   </p:sldIdLst>
   <p:sldSz cx="12192000" cy="6858000"/>
   <p:notesSz cx="6858000" cy="9144000"/>
@@ -113,6 +112,11 @@
       </a:defRPr>
     </a:lvl9pPr>
   </p:defaultTextStyle>
+  <p:extLst>
+    <p:ext uri="{EFAFB233-063F-42B5-8137-9DF3F51BA10A}">
+      <p15:sldGuideLst xmlns:p15="http://schemas.microsoft.com/office/powerpoint/2012/main"/>
+    </p:ext>
+  </p:extLst>
 </p:presentation>
 </file>
 
@@ -198,7 +202,7 @@
           <a:p>
             <a:fld id="{596B5F3B-5DCB-824D-BCA2-F92D198D2ED4}" type="datetimeFigureOut">
               <a:rPr lang="en-US" smtClean="0"/>
-              <a:t>3/19/19</a:t>
+              <a:t>3/22/19</a:t>
             </a:fld>
             <a:endParaRPr lang="en-US"/>
           </a:p>
@@ -696,7 +700,7 @@
           <a:p>
             <a:fld id="{5EF1B236-1FAD-5646-98AA-FFA324D2431F}" type="datetimeFigureOut">
               <a:rPr lang="en-US" smtClean="0"/>
-              <a:t>3/19/19</a:t>
+              <a:t>3/22/19</a:t>
             </a:fld>
             <a:endParaRPr lang="en-US"/>
           </a:p>
@@ -894,7 +898,7 @@
           <a:p>
             <a:fld id="{5EF1B236-1FAD-5646-98AA-FFA324D2431F}" type="datetimeFigureOut">
               <a:rPr lang="en-US" smtClean="0"/>
-              <a:t>3/19/19</a:t>
+              <a:t>3/22/19</a:t>
             </a:fld>
             <a:endParaRPr lang="en-US"/>
           </a:p>
@@ -1102,7 +1106,7 @@
           <a:p>
             <a:fld id="{5EF1B236-1FAD-5646-98AA-FFA324D2431F}" type="datetimeFigureOut">
               <a:rPr lang="en-US" smtClean="0"/>
-              <a:t>3/19/19</a:t>
+              <a:t>3/22/19</a:t>
             </a:fld>
             <a:endParaRPr lang="en-US"/>
           </a:p>
@@ -1300,7 +1304,7 @@
           <a:p>
             <a:fld id="{5EF1B236-1FAD-5646-98AA-FFA324D2431F}" type="datetimeFigureOut">
               <a:rPr lang="en-US" smtClean="0"/>
-              <a:t>3/19/19</a:t>
+              <a:t>3/22/19</a:t>
             </a:fld>
             <a:endParaRPr lang="en-US"/>
           </a:p>
@@ -1575,7 +1579,7 @@
           <a:p>
             <a:fld id="{5EF1B236-1FAD-5646-98AA-FFA324D2431F}" type="datetimeFigureOut">
               <a:rPr lang="en-US" smtClean="0"/>
-              <a:t>3/19/19</a:t>
+              <a:t>3/22/19</a:t>
             </a:fld>
             <a:endParaRPr lang="en-US"/>
           </a:p>
@@ -1840,7 +1844,7 @@
           <a:p>
             <a:fld id="{5EF1B236-1FAD-5646-98AA-FFA324D2431F}" type="datetimeFigureOut">
               <a:rPr lang="en-US" smtClean="0"/>
-              <a:t>3/19/19</a:t>
+              <a:t>3/22/19</a:t>
             </a:fld>
             <a:endParaRPr lang="en-US"/>
           </a:p>
@@ -2252,7 +2256,7 @@
           <a:p>
             <a:fld id="{5EF1B236-1FAD-5646-98AA-FFA324D2431F}" type="datetimeFigureOut">
               <a:rPr lang="en-US" smtClean="0"/>
-              <a:t>3/19/19</a:t>
+              <a:t>3/22/19</a:t>
             </a:fld>
             <a:endParaRPr lang="en-US"/>
           </a:p>
@@ -2393,7 +2397,7 @@
           <a:p>
             <a:fld id="{5EF1B236-1FAD-5646-98AA-FFA324D2431F}" type="datetimeFigureOut">
               <a:rPr lang="en-US" smtClean="0"/>
-              <a:t>3/19/19</a:t>
+              <a:t>3/22/19</a:t>
             </a:fld>
             <a:endParaRPr lang="en-US"/>
           </a:p>
@@ -2506,7 +2510,7 @@
           <a:p>
             <a:fld id="{5EF1B236-1FAD-5646-98AA-FFA324D2431F}" type="datetimeFigureOut">
               <a:rPr lang="en-US" smtClean="0"/>
-              <a:t>3/19/19</a:t>
+              <a:t>3/22/19</a:t>
             </a:fld>
             <a:endParaRPr lang="en-US"/>
           </a:p>
@@ -2817,7 +2821,7 @@
           <a:p>
             <a:fld id="{5EF1B236-1FAD-5646-98AA-FFA324D2431F}" type="datetimeFigureOut">
               <a:rPr lang="en-US" smtClean="0"/>
-              <a:t>3/19/19</a:t>
+              <a:t>3/22/19</a:t>
             </a:fld>
             <a:endParaRPr lang="en-US"/>
           </a:p>
@@ -3105,7 +3109,7 @@
           <a:p>
             <a:fld id="{5EF1B236-1FAD-5646-98AA-FFA324D2431F}" type="datetimeFigureOut">
               <a:rPr lang="en-US" smtClean="0"/>
-              <a:t>3/19/19</a:t>
+              <a:t>3/22/19</a:t>
             </a:fld>
             <a:endParaRPr lang="en-US"/>
           </a:p>
@@ -3346,7 +3350,7 @@
           <a:p>
             <a:fld id="{5EF1B236-1FAD-5646-98AA-FFA324D2431F}" type="datetimeFigureOut">
               <a:rPr lang="en-US" smtClean="0"/>
-              <a:t>3/19/19</a:t>
+              <a:t>3/22/19</a:t>
             </a:fld>
             <a:endParaRPr lang="en-US"/>
           </a:p>
@@ -4359,10 +4363,69 @@
           <a:chExt cx="0" cy="0"/>
         </a:xfrm>
       </p:grpSpPr>
+      <p:pic>
+        <p:nvPicPr>
+          <p:cNvPr id="8" name="Picture 7" descr="A close up of text on a white background&#10;&#10;Description automatically generated">
+            <a:extLst>
+              <a:ext uri="{FF2B5EF4-FFF2-40B4-BE49-F238E27FC236}">
+                <a16:creationId xmlns:a16="http://schemas.microsoft.com/office/drawing/2014/main" id="{70E0A352-83C3-904A-AFCB-F503D3C5C674}"/>
+              </a:ext>
+            </a:extLst>
+          </p:cNvPr>
+          <p:cNvPicPr>
+            <a:picLocks noChangeAspect="1"/>
+          </p:cNvPicPr>
+          <p:nvPr/>
+        </p:nvPicPr>
+        <p:blipFill rotWithShape="1">
+          <a:blip r:embed="rId2"/>
+          <a:srcRect b="42859"/>
+          <a:stretch/>
+        </p:blipFill>
+        <p:spPr>
+          <a:xfrm>
+            <a:off x="8331093" y="1764174"/>
+            <a:ext cx="4110812" cy="3329652"/>
+          </a:xfrm>
+          <a:prstGeom prst="rect">
+            <a:avLst/>
+          </a:prstGeom>
+        </p:spPr>
+      </p:pic>
+      <p:pic>
+        <p:nvPicPr>
+          <p:cNvPr id="10" name="Picture 9" descr="A picture containing text, map&#10;&#10;Description automatically generated">
+            <a:extLst>
+              <a:ext uri="{FF2B5EF4-FFF2-40B4-BE49-F238E27FC236}">
+                <a16:creationId xmlns:a16="http://schemas.microsoft.com/office/drawing/2014/main" id="{47C50353-8CD6-B944-B580-1E366CAA3812}"/>
+              </a:ext>
+            </a:extLst>
+          </p:cNvPr>
+          <p:cNvPicPr>
+            <a:picLocks noChangeAspect="1"/>
+          </p:cNvPicPr>
+          <p:nvPr/>
+        </p:nvPicPr>
+        <p:blipFill>
+          <a:blip r:embed="rId3"/>
+          <a:stretch>
+            <a:fillRect/>
+          </a:stretch>
+        </p:blipFill>
+        <p:spPr>
+          <a:xfrm>
+            <a:off x="309382" y="599489"/>
+            <a:ext cx="8021711" cy="5659022"/>
+          </a:xfrm>
+          <a:prstGeom prst="rect">
+            <a:avLst/>
+          </a:prstGeom>
+        </p:spPr>
+      </p:pic>
     </p:spTree>
     <p:extLst>
       <p:ext uri="{BB962C8B-B14F-4D97-AF65-F5344CB8AC3E}">
-        <p14:creationId xmlns:p14="http://schemas.microsoft.com/office/powerpoint/2010/main" val="1377362618"/>
+        <p14:creationId xmlns:p14="http://schemas.microsoft.com/office/powerpoint/2010/main" val="2940679636"/>
       </p:ext>
     </p:extLst>
   </p:cSld>
@@ -4389,51 +4452,283 @@
           <a:chExt cx="0" cy="0"/>
         </a:xfrm>
       </p:grpSpPr>
-      <p:sp>
-        <p:nvSpPr>
-          <p:cNvPr id="4" name="TextBox 3">
-            <a:extLst>
-              <a:ext uri="{FF2B5EF4-FFF2-40B4-BE49-F238E27FC236}">
-                <a16:creationId xmlns:a16="http://schemas.microsoft.com/office/drawing/2014/main" id="{CC5ADE95-29EA-6D49-9AAC-357E3CE57C82}"/>
-              </a:ext>
-            </a:extLst>
-          </p:cNvPr>
-          <p:cNvSpPr txBox="1"/>
+      <p:pic>
+        <p:nvPicPr>
+          <p:cNvPr id="7" name="Picture 6">
+            <a:extLst>
+              <a:ext uri="{FF2B5EF4-FFF2-40B4-BE49-F238E27FC236}">
+                <a16:creationId xmlns:a16="http://schemas.microsoft.com/office/drawing/2014/main" id="{74EBC78E-A954-1A48-B9D0-25F119B6F2F6}"/>
+              </a:ext>
+            </a:extLst>
+          </p:cNvPr>
+          <p:cNvPicPr>
+            <a:picLocks noChangeAspect="1"/>
+          </p:cNvPicPr>
           <p:nvPr/>
-        </p:nvSpPr>
+        </p:nvPicPr>
+        <p:blipFill>
+          <a:blip r:embed="rId2"/>
+          <a:stretch>
+            <a:fillRect/>
+          </a:stretch>
+        </p:blipFill>
         <p:spPr>
-          <a:xfrm>
-            <a:off x="4402235" y="2784935"/>
-            <a:ext cx="5545328" cy="2828464"/>
+          <a:xfrm rot="21445198">
+            <a:off x="988558" y="2030778"/>
+            <a:ext cx="1747618" cy="3324340"/>
           </a:xfrm>
           <a:prstGeom prst="rect">
             <a:avLst/>
           </a:prstGeom>
         </p:spPr>
-        <p:txBody>
-          <a:bodyPr vert="horz" lIns="91440" tIns="45720" rIns="91440" bIns="45720" rtlCol="0" anchor="t">
-            <a:normAutofit/>
+      </p:pic>
+      <p:sp>
+        <p:nvSpPr>
+          <p:cNvPr id="8" name="TextBox 7">
+            <a:extLst>
+              <a:ext uri="{FF2B5EF4-FFF2-40B4-BE49-F238E27FC236}">
+                <a16:creationId xmlns:a16="http://schemas.microsoft.com/office/drawing/2014/main" id="{28462299-1260-2E41-8DC0-1CE48B23ACE6}"/>
+              </a:ext>
+            </a:extLst>
+          </p:cNvPr>
+          <p:cNvSpPr txBox="1"/>
+          <p:nvPr/>
+        </p:nvSpPr>
+        <p:spPr>
+          <a:xfrm>
+            <a:off x="522288" y="6086754"/>
+            <a:ext cx="3267241" cy="369332"/>
+          </a:xfrm>
+          <a:prstGeom prst="rect">
+            <a:avLst/>
+          </a:prstGeom>
+          <a:noFill/>
+        </p:spPr>
+        <p:txBody>
+          <a:bodyPr wrap="none" rtlCol="0">
+            <a:spAutoFit/>
           </a:bodyPr>
           <a:lstStyle/>
           <a:p>
-            <a:pPr>
-              <a:spcBef>
-                <a:spcPct val="0"/>
-              </a:spcBef>
-              <a:spcAft>
-                <a:spcPts val="600"/>
-              </a:spcAft>
-            </a:pPr>
-            <a:r>
-              <a:rPr lang="en-US" sz="4000" b="1" dirty="0">
+            <a:r>
+              <a:rPr lang="en-US" dirty="0">
+                <a:latin typeface="Merriweather" pitchFamily="2" charset="77"/>
+              </a:rPr>
+              <a:t>Capacitive moisture sensor</a:t>
+            </a:r>
+          </a:p>
+        </p:txBody>
+      </p:sp>
+      <p:pic>
+        <p:nvPicPr>
+          <p:cNvPr id="10" name="Picture 9" descr="A circuit board&#10;&#10;Description automatically generated">
+            <a:extLst>
+              <a:ext uri="{FF2B5EF4-FFF2-40B4-BE49-F238E27FC236}">
+                <a16:creationId xmlns:a16="http://schemas.microsoft.com/office/drawing/2014/main" id="{433BA3B6-C099-3B40-B1C7-7D67A14EA6E7}"/>
+              </a:ext>
+            </a:extLst>
+          </p:cNvPr>
+          <p:cNvPicPr>
+            <a:picLocks noChangeAspect="1"/>
+          </p:cNvPicPr>
+          <p:nvPr/>
+        </p:nvPicPr>
+        <p:blipFill>
+          <a:blip r:embed="rId3"/>
+          <a:stretch>
+            <a:fillRect/>
+          </a:stretch>
+        </p:blipFill>
+        <p:spPr>
+          <a:xfrm>
+            <a:off x="4011676" y="1791510"/>
+            <a:ext cx="3605912" cy="3605912"/>
+          </a:xfrm>
+          <a:prstGeom prst="rect">
+            <a:avLst/>
+          </a:prstGeom>
+        </p:spPr>
+      </p:pic>
+      <p:pic>
+        <p:nvPicPr>
+          <p:cNvPr id="12" name="Picture 11" descr="A picture containing green, yellow&#10;&#10;Description automatically generated">
+            <a:extLst>
+              <a:ext uri="{FF2B5EF4-FFF2-40B4-BE49-F238E27FC236}">
+                <a16:creationId xmlns:a16="http://schemas.microsoft.com/office/drawing/2014/main" id="{BAA0B7D4-0BDF-104B-AD51-7C418D6718EC}"/>
+              </a:ext>
+            </a:extLst>
+          </p:cNvPr>
+          <p:cNvPicPr>
+            <a:picLocks noChangeAspect="1"/>
+          </p:cNvPicPr>
+          <p:nvPr/>
+        </p:nvPicPr>
+        <p:blipFill>
+          <a:blip r:embed="rId4"/>
+          <a:stretch>
+            <a:fillRect/>
+          </a:stretch>
+        </p:blipFill>
+        <p:spPr>
+          <a:xfrm flipH="1">
+            <a:off x="8879229" y="2337472"/>
+            <a:ext cx="2693320" cy="2513988"/>
+          </a:xfrm>
+          <a:prstGeom prst="rect">
+            <a:avLst/>
+          </a:prstGeom>
+        </p:spPr>
+      </p:pic>
+      <p:sp>
+        <p:nvSpPr>
+          <p:cNvPr id="13" name="TextBox 12">
+            <a:extLst>
+              <a:ext uri="{FF2B5EF4-FFF2-40B4-BE49-F238E27FC236}">
+                <a16:creationId xmlns:a16="http://schemas.microsoft.com/office/drawing/2014/main" id="{24B332EB-00DB-F740-8E1F-FEE0E1749766}"/>
+              </a:ext>
+            </a:extLst>
+          </p:cNvPr>
+          <p:cNvSpPr txBox="1"/>
+          <p:nvPr/>
+        </p:nvSpPr>
+        <p:spPr>
+          <a:xfrm>
+            <a:off x="5186219" y="6086754"/>
+            <a:ext cx="1688283" cy="369332"/>
+          </a:xfrm>
+          <a:prstGeom prst="rect">
+            <a:avLst/>
+          </a:prstGeom>
+          <a:noFill/>
+        </p:spPr>
+        <p:txBody>
+          <a:bodyPr wrap="none" rtlCol="0">
+            <a:spAutoFit/>
+          </a:bodyPr>
+          <a:lstStyle/>
+          <a:p>
+            <a:r>
+              <a:rPr lang="en-US" dirty="0">
+                <a:latin typeface="Merriweather" pitchFamily="2" charset="77"/>
+              </a:rPr>
+              <a:t>Arduino UNO</a:t>
+            </a:r>
+          </a:p>
+        </p:txBody>
+      </p:sp>
+      <p:sp>
+        <p:nvSpPr>
+          <p:cNvPr id="14" name="TextBox 13">
+            <a:extLst>
+              <a:ext uri="{FF2B5EF4-FFF2-40B4-BE49-F238E27FC236}">
+                <a16:creationId xmlns:a16="http://schemas.microsoft.com/office/drawing/2014/main" id="{A3D2DF1D-14B0-B94C-BEC7-9CFB86EC652A}"/>
+              </a:ext>
+            </a:extLst>
+          </p:cNvPr>
+          <p:cNvSpPr txBox="1"/>
+          <p:nvPr/>
+        </p:nvSpPr>
+        <p:spPr>
+          <a:xfrm>
+            <a:off x="9191791" y="6086754"/>
+            <a:ext cx="2068195" cy="369332"/>
+          </a:xfrm>
+          <a:prstGeom prst="rect">
+            <a:avLst/>
+          </a:prstGeom>
+          <a:noFill/>
+        </p:spPr>
+        <p:txBody>
+          <a:bodyPr wrap="none" rtlCol="0">
+            <a:spAutoFit/>
+          </a:bodyPr>
+          <a:lstStyle/>
+          <a:p>
+            <a:r>
+              <a:rPr lang="en-US" dirty="0">
+                <a:latin typeface="Merriweather" pitchFamily="2" charset="77"/>
+              </a:rPr>
+              <a:t>Peristaltic pump</a:t>
+            </a:r>
+          </a:p>
+        </p:txBody>
+      </p:sp>
+      <p:pic>
+        <p:nvPicPr>
+          <p:cNvPr id="18" name="Picture 17" descr="A picture containing grass, outdoor&#10;&#10;Description automatically generated">
+            <a:extLst>
+              <a:ext uri="{FF2B5EF4-FFF2-40B4-BE49-F238E27FC236}">
+                <a16:creationId xmlns:a16="http://schemas.microsoft.com/office/drawing/2014/main" id="{CE9DFD02-8134-834A-9B00-575088051313}"/>
+              </a:ext>
+            </a:extLst>
+          </p:cNvPr>
+          <p:cNvPicPr>
+            <a:picLocks noChangeAspect="1"/>
+          </p:cNvPicPr>
+          <p:nvPr/>
+        </p:nvPicPr>
+        <p:blipFill rotWithShape="1">
+          <a:blip r:embed="rId5"/>
+          <a:srcRect t="28590" b="56173"/>
+          <a:stretch/>
+        </p:blipFill>
+        <p:spPr>
+          <a:xfrm>
+            <a:off x="-271494" y="-365774"/>
+            <a:ext cx="12603707" cy="1842480"/>
+          </a:xfrm>
+          <a:prstGeom prst="rect">
+            <a:avLst/>
+          </a:prstGeom>
+          <a:effectLst>
+            <a:softEdge rad="127000"/>
+          </a:effectLst>
+        </p:spPr>
+      </p:pic>
+      <p:sp>
+        <p:nvSpPr>
+          <p:cNvPr id="19" name="TextBox 18">
+            <a:extLst>
+              <a:ext uri="{FF2B5EF4-FFF2-40B4-BE49-F238E27FC236}">
+                <a16:creationId xmlns:a16="http://schemas.microsoft.com/office/drawing/2014/main" id="{5FF9C456-7444-0D4C-B826-2880F4FBA877}"/>
+              </a:ext>
+            </a:extLst>
+          </p:cNvPr>
+          <p:cNvSpPr txBox="1"/>
+          <p:nvPr/>
+        </p:nvSpPr>
+        <p:spPr>
+          <a:xfrm>
+            <a:off x="522288" y="139967"/>
+            <a:ext cx="3089307" cy="830997"/>
+          </a:xfrm>
+          <a:prstGeom prst="rect">
+            <a:avLst/>
+          </a:prstGeom>
+          <a:noFill/>
+          <a:effectLst>
+            <a:glow>
+              <a:schemeClr val="accent1">
+                <a:alpha val="40000"/>
+              </a:schemeClr>
+            </a:glow>
+            <a:softEdge rad="825500"/>
+          </a:effectLst>
+        </p:spPr>
+        <p:txBody>
+          <a:bodyPr wrap="none" rtlCol="0">
+            <a:spAutoFit/>
+          </a:bodyPr>
+          <a:lstStyle/>
+          <a:p>
+            <a:r>
+              <a:rPr lang="en-US" sz="4800" b="1" dirty="0">
                 <a:solidFill>
-                  <a:srgbClr val="000000"/>
+                  <a:srgbClr val="1C1E1D"/>
                 </a:solidFill>
                 <a:latin typeface="Merriweather" pitchFamily="2" charset="77"/>
-                <a:ea typeface="+mj-ea"/>
-                <a:cs typeface="+mj-cs"/>
               </a:rPr>
-              <a:t>I’ll Put here preliminary sketches</a:t>
+              <a:t>Elements</a:t>
             </a:r>
           </a:p>
         </p:txBody>
@@ -4441,7 +4736,7 @@
     </p:spTree>
     <p:extLst>
       <p:ext uri="{BB962C8B-B14F-4D97-AF65-F5344CB8AC3E}">
-        <p14:creationId xmlns:p14="http://schemas.microsoft.com/office/powerpoint/2010/main" val="2940679636"/>
+        <p14:creationId xmlns:p14="http://schemas.microsoft.com/office/powerpoint/2010/main" val="3565774032"/>
       </p:ext>
     </p:extLst>
   </p:cSld>
@@ -4468,317 +4763,6 @@
           <a:chExt cx="0" cy="0"/>
         </a:xfrm>
       </p:grpSpPr>
-      <p:pic>
-        <p:nvPicPr>
-          <p:cNvPr id="7" name="Picture 6">
-            <a:extLst>
-              <a:ext uri="{FF2B5EF4-FFF2-40B4-BE49-F238E27FC236}">
-                <a16:creationId xmlns:a16="http://schemas.microsoft.com/office/drawing/2014/main" id="{74EBC78E-A954-1A48-B9D0-25F119B6F2F6}"/>
-              </a:ext>
-            </a:extLst>
-          </p:cNvPr>
-          <p:cNvPicPr>
-            <a:picLocks noChangeAspect="1"/>
-          </p:cNvPicPr>
-          <p:nvPr/>
-        </p:nvPicPr>
-        <p:blipFill>
-          <a:blip r:embed="rId2"/>
-          <a:stretch>
-            <a:fillRect/>
-          </a:stretch>
-        </p:blipFill>
-        <p:spPr>
-          <a:xfrm rot="21445198">
-            <a:off x="988558" y="2030778"/>
-            <a:ext cx="1747618" cy="3324340"/>
-          </a:xfrm>
-          <a:prstGeom prst="rect">
-            <a:avLst/>
-          </a:prstGeom>
-        </p:spPr>
-      </p:pic>
-      <p:sp>
-        <p:nvSpPr>
-          <p:cNvPr id="8" name="TextBox 7">
-            <a:extLst>
-              <a:ext uri="{FF2B5EF4-FFF2-40B4-BE49-F238E27FC236}">
-                <a16:creationId xmlns:a16="http://schemas.microsoft.com/office/drawing/2014/main" id="{28462299-1260-2E41-8DC0-1CE48B23ACE6}"/>
-              </a:ext>
-            </a:extLst>
-          </p:cNvPr>
-          <p:cNvSpPr txBox="1"/>
-          <p:nvPr/>
-        </p:nvSpPr>
-        <p:spPr>
-          <a:xfrm>
-            <a:off x="522288" y="6086754"/>
-            <a:ext cx="3267241" cy="369332"/>
-          </a:xfrm>
-          <a:prstGeom prst="rect">
-            <a:avLst/>
-          </a:prstGeom>
-          <a:noFill/>
-        </p:spPr>
-        <p:txBody>
-          <a:bodyPr wrap="none" rtlCol="0">
-            <a:spAutoFit/>
-          </a:bodyPr>
-          <a:lstStyle/>
-          <a:p>
-            <a:r>
-              <a:rPr lang="en-US" dirty="0">
-                <a:latin typeface="Merriweather" pitchFamily="2" charset="77"/>
-              </a:rPr>
-              <a:t>Capacitive moisture sensor</a:t>
-            </a:r>
-          </a:p>
-        </p:txBody>
-      </p:sp>
-      <p:pic>
-        <p:nvPicPr>
-          <p:cNvPr id="10" name="Picture 9" descr="A circuit board&#10;&#10;Description automatically generated">
-            <a:extLst>
-              <a:ext uri="{FF2B5EF4-FFF2-40B4-BE49-F238E27FC236}">
-                <a16:creationId xmlns:a16="http://schemas.microsoft.com/office/drawing/2014/main" id="{433BA3B6-C099-3B40-B1C7-7D67A14EA6E7}"/>
-              </a:ext>
-            </a:extLst>
-          </p:cNvPr>
-          <p:cNvPicPr>
-            <a:picLocks noChangeAspect="1"/>
-          </p:cNvPicPr>
-          <p:nvPr/>
-        </p:nvPicPr>
-        <p:blipFill>
-          <a:blip r:embed="rId3"/>
-          <a:stretch>
-            <a:fillRect/>
-          </a:stretch>
-        </p:blipFill>
-        <p:spPr>
-          <a:xfrm>
-            <a:off x="4011676" y="1791510"/>
-            <a:ext cx="3605912" cy="3605912"/>
-          </a:xfrm>
-          <a:prstGeom prst="rect">
-            <a:avLst/>
-          </a:prstGeom>
-        </p:spPr>
-      </p:pic>
-      <p:pic>
-        <p:nvPicPr>
-          <p:cNvPr id="12" name="Picture 11" descr="A picture containing green, yellow&#10;&#10;Description automatically generated">
-            <a:extLst>
-              <a:ext uri="{FF2B5EF4-FFF2-40B4-BE49-F238E27FC236}">
-                <a16:creationId xmlns:a16="http://schemas.microsoft.com/office/drawing/2014/main" id="{BAA0B7D4-0BDF-104B-AD51-7C418D6718EC}"/>
-              </a:ext>
-            </a:extLst>
-          </p:cNvPr>
-          <p:cNvPicPr>
-            <a:picLocks noChangeAspect="1"/>
-          </p:cNvPicPr>
-          <p:nvPr/>
-        </p:nvPicPr>
-        <p:blipFill>
-          <a:blip r:embed="rId4"/>
-          <a:stretch>
-            <a:fillRect/>
-          </a:stretch>
-        </p:blipFill>
-        <p:spPr>
-          <a:xfrm flipH="1">
-            <a:off x="8879229" y="2337472"/>
-            <a:ext cx="2693320" cy="2513988"/>
-          </a:xfrm>
-          <a:prstGeom prst="rect">
-            <a:avLst/>
-          </a:prstGeom>
-        </p:spPr>
-      </p:pic>
-      <p:sp>
-        <p:nvSpPr>
-          <p:cNvPr id="13" name="TextBox 12">
-            <a:extLst>
-              <a:ext uri="{FF2B5EF4-FFF2-40B4-BE49-F238E27FC236}">
-                <a16:creationId xmlns:a16="http://schemas.microsoft.com/office/drawing/2014/main" id="{24B332EB-00DB-F740-8E1F-FEE0E1749766}"/>
-              </a:ext>
-            </a:extLst>
-          </p:cNvPr>
-          <p:cNvSpPr txBox="1"/>
-          <p:nvPr/>
-        </p:nvSpPr>
-        <p:spPr>
-          <a:xfrm>
-            <a:off x="5186219" y="6086754"/>
-            <a:ext cx="1688283" cy="369332"/>
-          </a:xfrm>
-          <a:prstGeom prst="rect">
-            <a:avLst/>
-          </a:prstGeom>
-          <a:noFill/>
-        </p:spPr>
-        <p:txBody>
-          <a:bodyPr wrap="none" rtlCol="0">
-            <a:spAutoFit/>
-          </a:bodyPr>
-          <a:lstStyle/>
-          <a:p>
-            <a:r>
-              <a:rPr lang="en-US" dirty="0">
-                <a:latin typeface="Merriweather" pitchFamily="2" charset="77"/>
-              </a:rPr>
-              <a:t>Arduino UNO</a:t>
-            </a:r>
-          </a:p>
-        </p:txBody>
-      </p:sp>
-      <p:sp>
-        <p:nvSpPr>
-          <p:cNvPr id="14" name="TextBox 13">
-            <a:extLst>
-              <a:ext uri="{FF2B5EF4-FFF2-40B4-BE49-F238E27FC236}">
-                <a16:creationId xmlns:a16="http://schemas.microsoft.com/office/drawing/2014/main" id="{A3D2DF1D-14B0-B94C-BEC7-9CFB86EC652A}"/>
-              </a:ext>
-            </a:extLst>
-          </p:cNvPr>
-          <p:cNvSpPr txBox="1"/>
-          <p:nvPr/>
-        </p:nvSpPr>
-        <p:spPr>
-          <a:xfrm>
-            <a:off x="9191791" y="6086754"/>
-            <a:ext cx="2068195" cy="369332"/>
-          </a:xfrm>
-          <a:prstGeom prst="rect">
-            <a:avLst/>
-          </a:prstGeom>
-          <a:noFill/>
-        </p:spPr>
-        <p:txBody>
-          <a:bodyPr wrap="none" rtlCol="0">
-            <a:spAutoFit/>
-          </a:bodyPr>
-          <a:lstStyle/>
-          <a:p>
-            <a:r>
-              <a:rPr lang="en-US" dirty="0">
-                <a:latin typeface="Merriweather" pitchFamily="2" charset="77"/>
-              </a:rPr>
-              <a:t>Peristaltic pump</a:t>
-            </a:r>
-          </a:p>
-        </p:txBody>
-      </p:sp>
-      <p:pic>
-        <p:nvPicPr>
-          <p:cNvPr id="18" name="Picture 17" descr="A picture containing grass, outdoor&#10;&#10;Description automatically generated">
-            <a:extLst>
-              <a:ext uri="{FF2B5EF4-FFF2-40B4-BE49-F238E27FC236}">
-                <a16:creationId xmlns:a16="http://schemas.microsoft.com/office/drawing/2014/main" id="{CE9DFD02-8134-834A-9B00-575088051313}"/>
-              </a:ext>
-            </a:extLst>
-          </p:cNvPr>
-          <p:cNvPicPr>
-            <a:picLocks noChangeAspect="1"/>
-          </p:cNvPicPr>
-          <p:nvPr/>
-        </p:nvPicPr>
-        <p:blipFill rotWithShape="1">
-          <a:blip r:embed="rId5"/>
-          <a:srcRect t="28590" b="56173"/>
-          <a:stretch/>
-        </p:blipFill>
-        <p:spPr>
-          <a:xfrm>
-            <a:off x="-271494" y="-365774"/>
-            <a:ext cx="12603707" cy="1842480"/>
-          </a:xfrm>
-          <a:prstGeom prst="rect">
-            <a:avLst/>
-          </a:prstGeom>
-          <a:effectLst>
-            <a:softEdge rad="127000"/>
-          </a:effectLst>
-        </p:spPr>
-      </p:pic>
-      <p:sp>
-        <p:nvSpPr>
-          <p:cNvPr id="19" name="TextBox 18">
-            <a:extLst>
-              <a:ext uri="{FF2B5EF4-FFF2-40B4-BE49-F238E27FC236}">
-                <a16:creationId xmlns:a16="http://schemas.microsoft.com/office/drawing/2014/main" id="{5FF9C456-7444-0D4C-B826-2880F4FBA877}"/>
-              </a:ext>
-            </a:extLst>
-          </p:cNvPr>
-          <p:cNvSpPr txBox="1"/>
-          <p:nvPr/>
-        </p:nvSpPr>
-        <p:spPr>
-          <a:xfrm>
-            <a:off x="522288" y="139967"/>
-            <a:ext cx="3089307" cy="830997"/>
-          </a:xfrm>
-          <a:prstGeom prst="rect">
-            <a:avLst/>
-          </a:prstGeom>
-          <a:noFill/>
-          <a:effectLst>
-            <a:glow>
-              <a:schemeClr val="accent1">
-                <a:alpha val="40000"/>
-              </a:schemeClr>
-            </a:glow>
-            <a:softEdge rad="825500"/>
-          </a:effectLst>
-        </p:spPr>
-        <p:txBody>
-          <a:bodyPr wrap="none" rtlCol="0">
-            <a:spAutoFit/>
-          </a:bodyPr>
-          <a:lstStyle/>
-          <a:p>
-            <a:r>
-              <a:rPr lang="en-US" sz="4800" b="1" dirty="0">
-                <a:solidFill>
-                  <a:srgbClr val="1C1E1D"/>
-                </a:solidFill>
-                <a:latin typeface="Merriweather" pitchFamily="2" charset="77"/>
-              </a:rPr>
-              <a:t>Elements</a:t>
-            </a:r>
-          </a:p>
-        </p:txBody>
-      </p:sp>
-    </p:spTree>
-    <p:extLst>
-      <p:ext uri="{BB962C8B-B14F-4D97-AF65-F5344CB8AC3E}">
-        <p14:creationId xmlns:p14="http://schemas.microsoft.com/office/powerpoint/2010/main" val="3565774032"/>
-      </p:ext>
-    </p:extLst>
-  </p:cSld>
-  <p:clrMapOvr>
-    <a:masterClrMapping/>
-  </p:clrMapOvr>
-</p:sld>
-</file>
-
-<file path=ppt/slides/slide6.xml><?xml version="1.0" encoding="utf-8"?>
-<p:sld xmlns:a="http://schemas.openxmlformats.org/drawingml/2006/main" xmlns:r="http://schemas.openxmlformats.org/officeDocument/2006/relationships" xmlns:p="http://schemas.openxmlformats.org/presentationml/2006/main">
-  <p:cSld>
-    <p:spTree>
-      <p:nvGrpSpPr>
-        <p:cNvPr id="1" name=""/>
-        <p:cNvGrpSpPr/>
-        <p:nvPr/>
-      </p:nvGrpSpPr>
-      <p:grpSpPr>
-        <a:xfrm>
-          <a:off x="0" y="0"/>
-          <a:ext cx="0" cy="0"/>
-          <a:chOff x="0" y="0"/>
-          <a:chExt cx="0" cy="0"/>
-        </a:xfrm>
-      </p:grpSpPr>
       <p:sp>
         <p:nvSpPr>
           <p:cNvPr id="4" name="TextBox 3">
@@ -4841,7 +4825,7 @@
 </p:sld>
 </file>
 
-<file path=ppt/slides/slide7.xml><?xml version="1.0" encoding="utf-8"?>
+<file path=ppt/slides/slide6.xml><?xml version="1.0" encoding="utf-8"?>
 <p:sld xmlns:a="http://schemas.openxmlformats.org/drawingml/2006/main" xmlns:r="http://schemas.openxmlformats.org/officeDocument/2006/relationships" xmlns:p="http://schemas.openxmlformats.org/presentationml/2006/main">
   <p:cSld>
     <p:spTree>
